--- a/trunk/Appli/Méthodologie/Général/Copil/Copil 2/VAL.pptx
+++ b/trunk/Appli/Méthodologie/Général/Copil/Copil 2/VAL.pptx
@@ -5,22 +5,23 @@
     <p:sldMasterId id="2147483672" r:id="rId1"/>
   </p:sldMasterIdLst>
   <p:notesMasterIdLst>
-    <p:notesMasterId r:id="rId15"/>
+    <p:notesMasterId r:id="rId16"/>
   </p:notesMasterIdLst>
   <p:sldIdLst>
     <p:sldId id="256" r:id="rId2"/>
     <p:sldId id="257" r:id="rId3"/>
     <p:sldId id="258" r:id="rId4"/>
-    <p:sldId id="260" r:id="rId5"/>
-    <p:sldId id="261" r:id="rId6"/>
-    <p:sldId id="262" r:id="rId7"/>
-    <p:sldId id="263" r:id="rId8"/>
-    <p:sldId id="269" r:id="rId9"/>
-    <p:sldId id="264" r:id="rId10"/>
-    <p:sldId id="265" r:id="rId11"/>
-    <p:sldId id="266" r:id="rId12"/>
-    <p:sldId id="267" r:id="rId13"/>
-    <p:sldId id="268" r:id="rId14"/>
+    <p:sldId id="269" r:id="rId5"/>
+    <p:sldId id="260" r:id="rId6"/>
+    <p:sldId id="261" r:id="rId7"/>
+    <p:sldId id="270" r:id="rId8"/>
+    <p:sldId id="262" r:id="rId9"/>
+    <p:sldId id="263" r:id="rId10"/>
+    <p:sldId id="264" r:id="rId11"/>
+    <p:sldId id="265" r:id="rId12"/>
+    <p:sldId id="266" r:id="rId13"/>
+    <p:sldId id="267" r:id="rId14"/>
+    <p:sldId id="268" r:id="rId15"/>
   </p:sldIdLst>
   <p:sldSz cx="9144000" cy="6858000" type="screen4x3"/>
   <p:notesSz cx="6858000" cy="9144000"/>
@@ -204,7 +205,8 @@
           <a:p>
             <a:fld id="{6272E93B-D392-4F99-AB28-CA2A505B8F9B}" type="datetimeFigureOut">
               <a:rPr lang="fr-FR" smtClean="0"/>
-              <a:t>29/01/2013</a:t>
+              <a:pPr/>
+              <a:t>30/01/2013</a:t>
             </a:fld>
             <a:endParaRPr lang="fr-FR"/>
           </a:p>
@@ -365,6 +367,7 @@
           <a:p>
             <a:fld id="{6735DD6F-EC3B-42DD-AAB9-F901FF6C6EA8}" type="slidenum">
               <a:rPr lang="fr-FR" smtClean="0"/>
+              <a:pPr/>
               <a:t>‹N°›</a:t>
             </a:fld>
             <a:endParaRPr lang="fr-FR"/>
@@ -536,6 +539,7 @@
           <a:p>
             <a:fld id="{6735DD6F-EC3B-42DD-AAB9-F901FF6C6EA8}" type="slidenum">
               <a:rPr lang="fr-FR" smtClean="0"/>
+              <a:pPr/>
               <a:t>3</a:t>
             </a:fld>
             <a:endParaRPr lang="fr-FR"/>
@@ -617,7 +621,8 @@
           <a:p>
             <a:fld id="{6735DD6F-EC3B-42DD-AAB9-F901FF6C6EA8}" type="slidenum">
               <a:rPr lang="fr-FR" smtClean="0"/>
-              <a:t>6</a:t>
+              <a:pPr/>
+              <a:t>8</a:t>
             </a:fld>
             <a:endParaRPr lang="fr-FR"/>
           </a:p>
@@ -912,7 +917,7 @@
             <a:fld id="{AA309A6D-C09C-4548-B29A-6CF363A7E532}" type="datetimeFigureOut">
               <a:rPr lang="fr-FR" smtClean="0"/>
               <a:pPr/>
-              <a:t>29/01/2013</a:t>
+              <a:t>30/01/2013</a:t>
             </a:fld>
             <a:endParaRPr lang="fr-BE"/>
           </a:p>
@@ -1307,7 +1312,7 @@
             <a:fld id="{AA309A6D-C09C-4548-B29A-6CF363A7E532}" type="datetimeFigureOut">
               <a:rPr lang="fr-FR" smtClean="0"/>
               <a:pPr/>
-              <a:t>29/01/2013</a:t>
+              <a:t>30/01/2013</a:t>
             </a:fld>
             <a:endParaRPr lang="fr-BE"/>
           </a:p>
@@ -1842,7 +1847,7 @@
             <a:fld id="{AA309A6D-C09C-4548-B29A-6CF363A7E532}" type="datetimeFigureOut">
               <a:rPr lang="fr-FR" smtClean="0"/>
               <a:pPr/>
-              <a:t>29/01/2013</a:t>
+              <a:t>30/01/2013</a:t>
             </a:fld>
             <a:endParaRPr lang="fr-BE"/>
           </a:p>
@@ -1976,7 +1981,7 @@
             <a:fld id="{AA309A6D-C09C-4548-B29A-6CF363A7E532}" type="datetimeFigureOut">
               <a:rPr lang="fr-FR" smtClean="0"/>
               <a:pPr/>
-              <a:t>29/01/2013</a:t>
+              <a:t>30/01/2013</a:t>
             </a:fld>
             <a:endParaRPr lang="fr-BE"/>
           </a:p>
@@ -2521,7 +2526,7 @@
             <a:fld id="{AA309A6D-C09C-4548-B29A-6CF363A7E532}" type="datetimeFigureOut">
               <a:rPr lang="fr-FR" smtClean="0"/>
               <a:pPr/>
-              <a:t>29/01/2013</a:t>
+              <a:t>30/01/2013</a:t>
             </a:fld>
             <a:endParaRPr lang="fr-BE"/>
           </a:p>
@@ -2818,7 +2823,7 @@
             <a:fld id="{AA309A6D-C09C-4548-B29A-6CF363A7E532}" type="datetimeFigureOut">
               <a:rPr lang="fr-FR" smtClean="0"/>
               <a:pPr/>
-              <a:t>29/01/2013</a:t>
+              <a:t>30/01/2013</a:t>
             </a:fld>
             <a:endParaRPr lang="fr-BE"/>
           </a:p>
@@ -3479,7 +3484,7 @@
             <a:fld id="{AA309A6D-C09C-4548-B29A-6CF363A7E532}" type="datetimeFigureOut">
               <a:rPr lang="fr-FR" smtClean="0"/>
               <a:pPr/>
-              <a:t>29/01/2013</a:t>
+              <a:t>30/01/2013</a:t>
             </a:fld>
             <a:endParaRPr lang="fr-BE"/>
           </a:p>
@@ -3917,7 +3922,7 @@
             <a:fld id="{AA309A6D-C09C-4548-B29A-6CF363A7E532}" type="datetimeFigureOut">
               <a:rPr lang="fr-FR" smtClean="0"/>
               <a:pPr/>
-              <a:t>29/01/2013</a:t>
+              <a:t>30/01/2013</a:t>
             </a:fld>
             <a:endParaRPr lang="fr-BE"/>
           </a:p>
@@ -4232,7 +4237,7 @@
             <a:fld id="{AA309A6D-C09C-4548-B29A-6CF363A7E532}" type="datetimeFigureOut">
               <a:rPr lang="fr-FR" smtClean="0"/>
               <a:pPr/>
-              <a:t>29/01/2013</a:t>
+              <a:t>30/01/2013</a:t>
             </a:fld>
             <a:endParaRPr lang="fr-BE"/>
           </a:p>
@@ -4967,7 +4972,7 @@
             <a:fld id="{AA309A6D-C09C-4548-B29A-6CF363A7E532}" type="datetimeFigureOut">
               <a:rPr lang="fr-FR" smtClean="0"/>
               <a:pPr/>
-              <a:t>29/01/2013</a:t>
+              <a:t>30/01/2013</a:t>
             </a:fld>
             <a:endParaRPr lang="fr-BE"/>
           </a:p>
@@ -5633,7 +5638,7 @@
             <a:fld id="{AA309A6D-C09C-4548-B29A-6CF363A7E532}" type="datetimeFigureOut">
               <a:rPr lang="fr-FR" smtClean="0"/>
               <a:pPr/>
-              <a:t>29/01/2013</a:t>
+              <a:t>30/01/2013</a:t>
             </a:fld>
             <a:endParaRPr lang="fr-BE"/>
           </a:p>
@@ -5907,7 +5912,7 @@
             <a:fld id="{AA309A6D-C09C-4548-B29A-6CF363A7E532}" type="datetimeFigureOut">
               <a:rPr lang="fr-FR" smtClean="0"/>
               <a:pPr/>
-              <a:t>29/01/2013</a:t>
+              <a:t>30/01/2013</a:t>
             </a:fld>
             <a:endParaRPr lang="fr-BE"/>
           </a:p>
@@ -6621,11 +6626,7 @@
           <a:p>
             <a:r>
               <a:rPr lang="fr-FR" dirty="0" smtClean="0"/>
-              <a:t>Comité de pilotage </a:t>
-            </a:r>
-            <a:r>
-              <a:rPr lang="fr-FR" dirty="0" smtClean="0"/>
-              <a:t>N°2</a:t>
+              <a:t>Comité de pilotage N°2</a:t>
             </a:r>
             <a:endParaRPr lang="fr-FR" dirty="0"/>
           </a:p>
@@ -6634,7 +6635,7 @@
     </p:spTree>
     <p:extLst>
       <p:ext uri="{BB962C8B-B14F-4D97-AF65-F5344CB8AC3E}">
-        <p14:creationId xmlns:p14="http://schemas.microsoft.com/office/powerpoint/2010/main" xmlns="" val="3992780646"/>
+        <p14:creationId xmlns="" xmlns:p14="http://schemas.microsoft.com/office/powerpoint/2010/main" val="3992780646"/>
       </p:ext>
     </p:extLst>
   </p:cSld>
@@ -6685,31 +6686,44 @@
           <a:p>
             <a:r>
               <a:rPr lang="fr-FR" dirty="0" smtClean="0"/>
-              <a:t>Diagramme de déploiement R1</a:t>
+              <a:t>Diagramme de Déploiement Projet</a:t>
             </a:r>
             <a:endParaRPr lang="fr-FR" dirty="0"/>
           </a:p>
         </p:txBody>
       </p:sp>
-      <p:sp>
-        <p:nvSpPr>
-          <p:cNvPr id="3" name="Espace réservé du contenu 2"/>
-          <p:cNvSpPr>
-            <a:spLocks noGrp="1"/>
-          </p:cNvSpPr>
-          <p:nvPr>
-            <p:ph sz="quarter" idx="1"/>
-          </p:nvPr>
-        </p:nvSpPr>
-        <p:spPr/>
-        <p:txBody>
-          <a:bodyPr/>
-          <a:lstStyle/>
-          <a:p>
-            <a:endParaRPr lang="fr-FR"/>
-          </a:p>
-        </p:txBody>
-      </p:sp>
+      <p:pic>
+        <p:nvPicPr>
+          <p:cNvPr id="5" name="Picture 2"/>
+          <p:cNvPicPr>
+            <a:picLocks noChangeAspect="1" noChangeArrowheads="1"/>
+          </p:cNvPicPr>
+          <p:nvPr/>
+        </p:nvPicPr>
+        <p:blipFill>
+          <a:blip r:embed="rId2" cstate="print"/>
+          <a:srcRect/>
+          <a:stretch>
+            <a:fillRect/>
+          </a:stretch>
+        </p:blipFill>
+        <p:spPr bwMode="auto">
+          <a:xfrm>
+            <a:off x="179512" y="1052736"/>
+            <a:ext cx="8784976" cy="5599671"/>
+          </a:xfrm>
+          <a:prstGeom prst="rect">
+            <a:avLst/>
+          </a:prstGeom>
+          <a:noFill/>
+          <a:ln w="9525">
+            <a:noFill/>
+            <a:miter lim="800000"/>
+            <a:headEnd/>
+            <a:tailEnd/>
+          </a:ln>
+        </p:spPr>
+      </p:pic>
     </p:spTree>
   </p:cSld>
   <p:clrMapOvr>
@@ -6759,31 +6773,44 @@
           <a:p>
             <a:r>
               <a:rPr lang="fr-FR" dirty="0" smtClean="0"/>
-              <a:t>Intégration Continue</a:t>
+              <a:t>Diagramme de déploiement R1</a:t>
             </a:r>
             <a:endParaRPr lang="fr-FR" dirty="0"/>
           </a:p>
         </p:txBody>
       </p:sp>
-      <p:sp>
-        <p:nvSpPr>
-          <p:cNvPr id="3" name="Espace réservé du contenu 2"/>
-          <p:cNvSpPr>
-            <a:spLocks noGrp="1"/>
-          </p:cNvSpPr>
-          <p:nvPr>
-            <p:ph sz="quarter" idx="1"/>
-          </p:nvPr>
-        </p:nvSpPr>
-        <p:spPr/>
-        <p:txBody>
-          <a:bodyPr/>
-          <a:lstStyle/>
-          <a:p>
-            <a:endParaRPr lang="fr-FR"/>
-          </a:p>
-        </p:txBody>
-      </p:sp>
+      <p:pic>
+        <p:nvPicPr>
+          <p:cNvPr id="1026" name="Picture 2"/>
+          <p:cNvPicPr>
+            <a:picLocks noChangeAspect="1" noChangeArrowheads="1"/>
+          </p:cNvPicPr>
+          <p:nvPr/>
+        </p:nvPicPr>
+        <p:blipFill>
+          <a:blip r:embed="rId2" cstate="print"/>
+          <a:srcRect/>
+          <a:stretch>
+            <a:fillRect/>
+          </a:stretch>
+        </p:blipFill>
+        <p:spPr bwMode="auto">
+          <a:xfrm>
+            <a:off x="251520" y="2420888"/>
+            <a:ext cx="8690598" cy="2731938"/>
+          </a:xfrm>
+          <a:prstGeom prst="rect">
+            <a:avLst/>
+          </a:prstGeom>
+          <a:noFill/>
+          <a:ln w="9525">
+            <a:noFill/>
+            <a:miter lim="800000"/>
+            <a:headEnd/>
+            <a:tailEnd/>
+          </a:ln>
+        </p:spPr>
+      </p:pic>
     </p:spTree>
   </p:cSld>
   <p:clrMapOvr>
@@ -6833,7 +6860,7 @@
           <a:p>
             <a:r>
               <a:rPr lang="fr-FR" dirty="0" smtClean="0"/>
-              <a:t>Sonar</a:t>
+              <a:t>Intégration Continue</a:t>
             </a:r>
             <a:endParaRPr lang="fr-FR" dirty="0"/>
           </a:p>
@@ -6874,6 +6901,80 @@
 </file>
 
 <file path=ppt/slides/slide13.xml><?xml version="1.0" encoding="utf-8"?>
+<p:sld xmlns:a="http://schemas.openxmlformats.org/drawingml/2006/main" xmlns:r="http://schemas.openxmlformats.org/officeDocument/2006/relationships" xmlns:p="http://schemas.openxmlformats.org/presentationml/2006/main">
+  <p:cSld>
+    <p:spTree>
+      <p:nvGrpSpPr>
+        <p:cNvPr id="1" name=""/>
+        <p:cNvGrpSpPr/>
+        <p:nvPr/>
+      </p:nvGrpSpPr>
+      <p:grpSpPr>
+        <a:xfrm>
+          <a:off x="0" y="0"/>
+          <a:ext cx="0" cy="0"/>
+          <a:chOff x="0" y="0"/>
+          <a:chExt cx="0" cy="0"/>
+        </a:xfrm>
+      </p:grpSpPr>
+      <p:sp>
+        <p:nvSpPr>
+          <p:cNvPr id="2" name="Titre 1"/>
+          <p:cNvSpPr>
+            <a:spLocks noGrp="1"/>
+          </p:cNvSpPr>
+          <p:nvPr>
+            <p:ph type="title"/>
+          </p:nvPr>
+        </p:nvSpPr>
+        <p:spPr/>
+        <p:txBody>
+          <a:bodyPr/>
+          <a:lstStyle/>
+          <a:p>
+            <a:r>
+              <a:rPr lang="fr-FR" dirty="0" smtClean="0"/>
+              <a:t>Sonar</a:t>
+            </a:r>
+            <a:endParaRPr lang="fr-FR" dirty="0"/>
+          </a:p>
+        </p:txBody>
+      </p:sp>
+      <p:sp>
+        <p:nvSpPr>
+          <p:cNvPr id="3" name="Espace réservé du contenu 2"/>
+          <p:cNvSpPr>
+            <a:spLocks noGrp="1"/>
+          </p:cNvSpPr>
+          <p:nvPr>
+            <p:ph sz="quarter" idx="1"/>
+          </p:nvPr>
+        </p:nvSpPr>
+        <p:spPr/>
+        <p:txBody>
+          <a:bodyPr/>
+          <a:lstStyle/>
+          <a:p>
+            <a:endParaRPr lang="fr-FR"/>
+          </a:p>
+        </p:txBody>
+      </p:sp>
+    </p:spTree>
+  </p:cSld>
+  <p:clrMapOvr>
+    <a:masterClrMapping/>
+  </p:clrMapOvr>
+  <p:timing>
+    <p:tnLst>
+      <p:par>
+        <p:cTn id="1" dur="indefinite" restart="never" nodeType="tmRoot"/>
+      </p:par>
+    </p:tnLst>
+  </p:timing>
+</p:sld>
+</file>
+
+<file path=ppt/slides/slide14.xml><?xml version="1.0" encoding="utf-8"?>
 <p:sld xmlns:a="http://schemas.openxmlformats.org/drawingml/2006/main" xmlns:r="http://schemas.openxmlformats.org/officeDocument/2006/relationships" xmlns:p="http://schemas.openxmlformats.org/presentationml/2006/main">
   <p:cSld>
     <p:spTree>
@@ -7190,11 +7291,6 @@
               </a:rPr>
               <a:t>R1</a:t>
             </a:r>
-            <a:endParaRPr lang="fr-FR" b="1" dirty="0" smtClean="0">
-              <a:solidFill>
-                <a:srgbClr val="FF0000"/>
-              </a:solidFill>
-            </a:endParaRPr>
           </a:p>
           <a:p>
             <a:pPr algn="ctr"/>
@@ -7269,13 +7365,6 @@
               </a:rPr>
               <a:t>106 SP</a:t>
             </a:r>
-            <a:endParaRPr lang="fr-FR" sz="1400" b="1" dirty="0" smtClean="0">
-              <a:solidFill>
-                <a:schemeClr val="accent2">
-                  <a:lumMod val="75000"/>
-                </a:schemeClr>
-              </a:solidFill>
-            </a:endParaRPr>
           </a:p>
         </p:txBody>
       </p:sp>
@@ -8957,42 +9046,58 @@
             <p:ph type="title"/>
           </p:nvPr>
         </p:nvSpPr>
-        <p:spPr/>
-        <p:txBody>
-          <a:bodyPr/>
+        <p:spPr>
+          <a:xfrm>
+            <a:off x="301752" y="228600"/>
+            <a:ext cx="8534400" cy="392088"/>
+          </a:xfrm>
+        </p:spPr>
+        <p:txBody>
+          <a:bodyPr>
+            <a:normAutofit fontScale="90000"/>
+          </a:bodyPr>
           <a:lstStyle/>
           <a:p>
             <a:r>
               <a:rPr lang="fr-FR" dirty="0" smtClean="0"/>
-              <a:t>Etat d’</a:t>
-            </a:r>
-            <a:r>
-              <a:rPr lang="fr-FR" dirty="0" err="1" smtClean="0"/>
-              <a:t>avemcement</a:t>
+              <a:t>Etat d’avancement</a:t>
             </a:r>
             <a:endParaRPr lang="fr-FR" dirty="0"/>
           </a:p>
         </p:txBody>
       </p:sp>
-      <p:sp>
-        <p:nvSpPr>
-          <p:cNvPr id="3" name="Espace réservé du contenu 2"/>
-          <p:cNvSpPr>
-            <a:spLocks noGrp="1"/>
-          </p:cNvSpPr>
-          <p:nvPr>
-            <p:ph sz="quarter" idx="1"/>
-          </p:nvPr>
-        </p:nvSpPr>
-        <p:spPr/>
-        <p:txBody>
-          <a:bodyPr/>
-          <a:lstStyle/>
-          <a:p>
-            <a:endParaRPr lang="fr-FR"/>
-          </a:p>
-        </p:txBody>
-      </p:sp>
+      <p:pic>
+        <p:nvPicPr>
+          <p:cNvPr id="1026" name="Picture 2"/>
+          <p:cNvPicPr>
+            <a:picLocks noChangeAspect="1" noChangeArrowheads="1"/>
+          </p:cNvPicPr>
+          <p:nvPr/>
+        </p:nvPicPr>
+        <p:blipFill>
+          <a:blip r:embed="rId2" cstate="print"/>
+          <a:srcRect/>
+          <a:stretch>
+            <a:fillRect/>
+          </a:stretch>
+        </p:blipFill>
+        <p:spPr bwMode="auto">
+          <a:xfrm>
+            <a:off x="179512" y="548680"/>
+            <a:ext cx="8784976" cy="5688631"/>
+          </a:xfrm>
+          <a:prstGeom prst="rect">
+            <a:avLst/>
+          </a:prstGeom>
+          <a:noFill/>
+          <a:ln w="9525">
+            <a:noFill/>
+            <a:miter lim="800000"/>
+            <a:headEnd/>
+            <a:tailEnd/>
+          </a:ln>
+        </p:spPr>
+      </p:pic>
     </p:spTree>
   </p:cSld>
   <p:clrMapOvr>
@@ -9009,6 +9114,93 @@
 </file>
 
 <file path=ppt/slides/slide5.xml><?xml version="1.0" encoding="utf-8"?>
+<p:sld xmlns:a="http://schemas.openxmlformats.org/drawingml/2006/main" xmlns:r="http://schemas.openxmlformats.org/officeDocument/2006/relationships" xmlns:p="http://schemas.openxmlformats.org/presentationml/2006/main">
+  <p:cSld>
+    <p:spTree>
+      <p:nvGrpSpPr>
+        <p:cNvPr id="1" name=""/>
+        <p:cNvGrpSpPr/>
+        <p:nvPr/>
+      </p:nvGrpSpPr>
+      <p:grpSpPr>
+        <a:xfrm>
+          <a:off x="0" y="0"/>
+          <a:ext cx="0" cy="0"/>
+          <a:chOff x="0" y="0"/>
+          <a:chExt cx="0" cy="0"/>
+        </a:xfrm>
+      </p:grpSpPr>
+      <p:sp>
+        <p:nvSpPr>
+          <p:cNvPr id="2" name="Titre 1"/>
+          <p:cNvSpPr>
+            <a:spLocks noGrp="1"/>
+          </p:cNvSpPr>
+          <p:nvPr>
+            <p:ph type="title"/>
+          </p:nvPr>
+        </p:nvSpPr>
+        <p:spPr/>
+        <p:txBody>
+          <a:bodyPr/>
+          <a:lstStyle/>
+          <a:p>
+            <a:r>
+              <a:rPr lang="fr-FR" dirty="0" smtClean="0"/>
+              <a:t>Etat d’avancement</a:t>
+            </a:r>
+            <a:endParaRPr lang="fr-FR" dirty="0"/>
+          </a:p>
+        </p:txBody>
+      </p:sp>
+      <p:pic>
+        <p:nvPicPr>
+          <p:cNvPr id="2050" name="Picture 2"/>
+          <p:cNvPicPr>
+            <a:picLocks noChangeAspect="1" noChangeArrowheads="1"/>
+          </p:cNvPicPr>
+          <p:nvPr/>
+        </p:nvPicPr>
+        <p:blipFill>
+          <a:blip r:embed="rId2" cstate="print"/>
+          <a:srcRect/>
+          <a:stretch>
+            <a:fillRect/>
+          </a:stretch>
+        </p:blipFill>
+        <p:spPr bwMode="auto">
+          <a:xfrm>
+            <a:off x="899592" y="1772816"/>
+            <a:ext cx="7560840" cy="4248472"/>
+          </a:xfrm>
+          <a:prstGeom prst="rect">
+            <a:avLst/>
+          </a:prstGeom>
+          <a:noFill/>
+          <a:ln w="9525">
+            <a:noFill/>
+            <a:miter lim="800000"/>
+            <a:headEnd/>
+            <a:tailEnd/>
+          </a:ln>
+        </p:spPr>
+      </p:pic>
+    </p:spTree>
+  </p:cSld>
+  <p:clrMapOvr>
+    <a:masterClrMapping/>
+  </p:clrMapOvr>
+  <p:timing>
+    <p:tnLst>
+      <p:par>
+        <p:cTn id="1" dur="indefinite" restart="never" nodeType="tmRoot"/>
+      </p:par>
+    </p:tnLst>
+  </p:timing>
+</p:sld>
+</file>
+
+<file path=ppt/slides/slide6.xml><?xml version="1.0" encoding="utf-8"?>
 <p:sld xmlns:a="http://schemas.openxmlformats.org/drawingml/2006/main" xmlns:r="http://schemas.openxmlformats.org/officeDocument/2006/relationships" xmlns:p="http://schemas.openxmlformats.org/presentationml/2006/main">
   <p:cSld>
     <p:spTree>
@@ -9087,14 +9279,14 @@
                         </a:spcAft>
                       </a:pPr>
                       <a:r>
-                        <a:rPr lang="en-US" sz="1100">
+                        <a:rPr lang="en-US" sz="1100" dirty="0" err="1">
                           <a:latin typeface="Calibri"/>
                           <a:ea typeface="Calibri"/>
                           <a:cs typeface="Arial"/>
                         </a:rPr>
                         <a:t>Risque</a:t>
                       </a:r>
-                      <a:endParaRPr lang="fr-FR" sz="1100">
+                      <a:endParaRPr lang="fr-FR" sz="1100" dirty="0">
                         <a:latin typeface="Cambria"/>
                         <a:ea typeface="Times New Roman"/>
                         <a:cs typeface="Times New Roman"/>
@@ -11122,14 +11314,14 @@
                         </a:spcAft>
                       </a:pPr>
                       <a:r>
-                        <a:rPr lang="fr-FR" sz="1100">
+                        <a:rPr lang="fr-FR" sz="1100" dirty="0">
                           <a:latin typeface="Calibri"/>
                           <a:ea typeface="Calibri"/>
                           <a:cs typeface="Arial"/>
                         </a:rPr>
                         <a:t>Risque que l’environnement de simulation ne s’exécute pas sur n’importe quel réseau</a:t>
                       </a:r>
-                      <a:endParaRPr lang="fr-FR" sz="1100">
+                      <a:endParaRPr lang="fr-FR" sz="1100" dirty="0">
                         <a:latin typeface="Cambria"/>
                         <a:ea typeface="Times New Roman"/>
                         <a:cs typeface="Times New Roman"/>
@@ -11533,93 +11725,6 @@
 </p:sld>
 </file>
 
-<file path=ppt/slides/slide6.xml><?xml version="1.0" encoding="utf-8"?>
-<p:sld xmlns:a="http://schemas.openxmlformats.org/drawingml/2006/main" xmlns:r="http://schemas.openxmlformats.org/officeDocument/2006/relationships" xmlns:p="http://schemas.openxmlformats.org/presentationml/2006/main">
-  <p:cSld>
-    <p:spTree>
-      <p:nvGrpSpPr>
-        <p:cNvPr id="1" name=""/>
-        <p:cNvGrpSpPr/>
-        <p:nvPr/>
-      </p:nvGrpSpPr>
-      <p:grpSpPr>
-        <a:xfrm>
-          <a:off x="0" y="0"/>
-          <a:ext cx="0" cy="0"/>
-          <a:chOff x="0" y="0"/>
-          <a:chExt cx="0" cy="0"/>
-        </a:xfrm>
-      </p:grpSpPr>
-      <p:sp>
-        <p:nvSpPr>
-          <p:cNvPr id="2" name="Titre 1"/>
-          <p:cNvSpPr>
-            <a:spLocks noGrp="1"/>
-          </p:cNvSpPr>
-          <p:nvPr>
-            <p:ph type="title"/>
-          </p:nvPr>
-        </p:nvSpPr>
-        <p:spPr/>
-        <p:txBody>
-          <a:bodyPr/>
-          <a:lstStyle/>
-          <a:p>
-            <a:r>
-              <a:rPr lang="fr-FR" dirty="0" smtClean="0"/>
-              <a:t>Diagramme de composant Projet</a:t>
-            </a:r>
-            <a:endParaRPr lang="fr-FR" dirty="0"/>
-          </a:p>
-        </p:txBody>
-      </p:sp>
-      <p:pic>
-        <p:nvPicPr>
-          <p:cNvPr id="22531" name="Picture 3"/>
-          <p:cNvPicPr>
-            <a:picLocks noChangeAspect="1" noChangeArrowheads="1"/>
-          </p:cNvPicPr>
-          <p:nvPr/>
-        </p:nvPicPr>
-        <p:blipFill>
-          <a:blip r:embed="rId3" cstate="print"/>
-          <a:srcRect/>
-          <a:stretch>
-            <a:fillRect/>
-          </a:stretch>
-        </p:blipFill>
-        <p:spPr bwMode="auto">
-          <a:xfrm>
-            <a:off x="755576" y="1916832"/>
-            <a:ext cx="7620000" cy="4248472"/>
-          </a:xfrm>
-          <a:prstGeom prst="rect">
-            <a:avLst/>
-          </a:prstGeom>
-          <a:noFill/>
-          <a:ln w="9525">
-            <a:noFill/>
-            <a:miter lim="800000"/>
-            <a:headEnd/>
-            <a:tailEnd/>
-          </a:ln>
-        </p:spPr>
-      </p:pic>
-    </p:spTree>
-  </p:cSld>
-  <p:clrMapOvr>
-    <a:masterClrMapping/>
-  </p:clrMapOvr>
-  <p:timing>
-    <p:tnLst>
-      <p:par>
-        <p:cTn id="1" dur="indefinite" restart="never" nodeType="tmRoot"/>
-      </p:par>
-    </p:tnLst>
-  </p:timing>
-</p:sld>
-</file>
-
 <file path=ppt/slides/slide7.xml><?xml version="1.0" encoding="utf-8"?>
 <p:sld xmlns:a="http://schemas.openxmlformats.org/drawingml/2006/main" xmlns:r="http://schemas.openxmlformats.org/officeDocument/2006/relationships" xmlns:p="http://schemas.openxmlformats.org/presentationml/2006/main">
   <p:cSld>
@@ -11654,44 +11759,123 @@
           <a:p>
             <a:r>
               <a:rPr lang="fr-FR" dirty="0" smtClean="0"/>
-              <a:t>Diagramme de composant R1</a:t>
+              <a:t>Analyse des risques</a:t>
             </a:r>
             <a:endParaRPr lang="fr-FR" dirty="0"/>
           </a:p>
         </p:txBody>
       </p:sp>
-      <p:pic>
-        <p:nvPicPr>
-          <p:cNvPr id="4" name="Picture 2"/>
-          <p:cNvPicPr>
-            <a:picLocks noChangeAspect="1" noChangeArrowheads="1"/>
-          </p:cNvPicPr>
+      <p:sp>
+        <p:nvSpPr>
+          <p:cNvPr id="3" name="Espace réservé du contenu 2"/>
+          <p:cNvSpPr>
+            <a:spLocks noGrp="1"/>
+          </p:cNvSpPr>
+          <p:nvPr>
+            <p:ph sz="quarter" idx="1"/>
+          </p:nvPr>
+        </p:nvSpPr>
+        <p:spPr/>
+        <p:txBody>
+          <a:bodyPr/>
+          <a:lstStyle/>
+          <a:p>
+            <a:pPr>
+              <a:buNone/>
+            </a:pPr>
+            <a:endParaRPr lang="fr-FR" dirty="0" smtClean="0"/>
+          </a:p>
+          <a:p>
+            <a:r>
+              <a:rPr lang="fr-FR" dirty="0" smtClean="0"/>
+              <a:t>Total des anciennes gravités : 53</a:t>
+            </a:r>
+          </a:p>
+          <a:p>
+            <a:pPr>
+              <a:buNone/>
+            </a:pPr>
+            <a:endParaRPr lang="fr-FR" dirty="0" smtClean="0"/>
+          </a:p>
+          <a:p>
+            <a:r>
+              <a:rPr lang="fr-FR" dirty="0" smtClean="0"/>
+              <a:t>Total des nouvelles gravités  : 36</a:t>
+            </a:r>
+          </a:p>
+          <a:p>
+            <a:endParaRPr lang="fr-FR" dirty="0" smtClean="0"/>
+          </a:p>
+          <a:p>
+            <a:pPr>
+              <a:buNone/>
+            </a:pPr>
+            <a:r>
+              <a:rPr lang="fr-FR" dirty="0" smtClean="0"/>
+              <a:t>                                                  </a:t>
+            </a:r>
+          </a:p>
+          <a:p>
+            <a:pPr>
+              <a:buNone/>
+            </a:pPr>
+            <a:r>
+              <a:rPr lang="fr-FR" dirty="0" smtClean="0"/>
+              <a:t>				</a:t>
+            </a:r>
+          </a:p>
+          <a:p>
+            <a:pPr>
+              <a:buNone/>
+            </a:pPr>
+            <a:r>
+              <a:rPr lang="fr-FR" dirty="0" smtClean="0"/>
+              <a:t>					Baisse de la gravité totale</a:t>
+            </a:r>
+            <a:endParaRPr lang="fr-FR" dirty="0"/>
+          </a:p>
+        </p:txBody>
+      </p:sp>
+      <p:sp>
+        <p:nvSpPr>
+          <p:cNvPr id="4" name="Flèche vers le bas 3"/>
+          <p:cNvSpPr/>
           <p:nvPr/>
-        </p:nvPicPr>
-        <p:blipFill>
-          <a:blip r:embed="rId2" cstate="print"/>
-          <a:srcRect/>
-          <a:stretch>
-            <a:fillRect/>
-          </a:stretch>
-        </p:blipFill>
-        <p:spPr bwMode="auto">
-          <a:xfrm>
-            <a:off x="683568" y="2204864"/>
-            <a:ext cx="7992888" cy="3096344"/>
-          </a:xfrm>
-          <a:prstGeom prst="rect">
+        </p:nvSpPr>
+        <p:spPr>
+          <a:xfrm>
+            <a:off x="6156176" y="2204864"/>
+            <a:ext cx="360040" cy="2592288"/>
+          </a:xfrm>
+          <a:prstGeom prst="downArrow">
             <a:avLst/>
           </a:prstGeom>
-          <a:noFill/>
-          <a:ln w="9525">
-            <a:noFill/>
-            <a:miter lim="800000"/>
-            <a:headEnd/>
-            <a:tailEnd/>
-          </a:ln>
-        </p:spPr>
-      </p:pic>
+        </p:spPr>
+        <p:style>
+          <a:lnRef idx="2">
+            <a:schemeClr val="accent1">
+              <a:shade val="50000"/>
+            </a:schemeClr>
+          </a:lnRef>
+          <a:fillRef idx="1">
+            <a:schemeClr val="accent1"/>
+          </a:fillRef>
+          <a:effectRef idx="0">
+            <a:schemeClr val="accent1"/>
+          </a:effectRef>
+          <a:fontRef idx="minor">
+            <a:schemeClr val="lt1"/>
+          </a:fontRef>
+        </p:style>
+        <p:txBody>
+          <a:bodyPr rtlCol="0" anchor="ctr"/>
+          <a:lstStyle/>
+          <a:p>
+            <a:pPr algn="ctr"/>
+            <a:endParaRPr lang="fr-FR"/>
+          </a:p>
+        </p:txBody>
+      </p:sp>
     </p:spTree>
   </p:cSld>
   <p:clrMapOvr>
@@ -11741,12 +11925,44 @@
           <a:p>
             <a:r>
               <a:rPr lang="fr-FR" dirty="0" smtClean="0"/>
-              <a:t>Etat d’avancement</a:t>
+              <a:t>Diagramme de composant Projet</a:t>
             </a:r>
             <a:endParaRPr lang="fr-FR" dirty="0"/>
           </a:p>
         </p:txBody>
       </p:sp>
+      <p:pic>
+        <p:nvPicPr>
+          <p:cNvPr id="3074" name="Picture 2"/>
+          <p:cNvPicPr>
+            <a:picLocks noChangeAspect="1" noChangeArrowheads="1"/>
+          </p:cNvPicPr>
+          <p:nvPr/>
+        </p:nvPicPr>
+        <p:blipFill>
+          <a:blip r:embed="rId3" cstate="print"/>
+          <a:srcRect/>
+          <a:stretch>
+            <a:fillRect/>
+          </a:stretch>
+        </p:blipFill>
+        <p:spPr bwMode="auto">
+          <a:xfrm>
+            <a:off x="251520" y="1052736"/>
+            <a:ext cx="8640960" cy="5184576"/>
+          </a:xfrm>
+          <a:prstGeom prst="rect">
+            <a:avLst/>
+          </a:prstGeom>
+          <a:noFill/>
+          <a:ln w="9525">
+            <a:noFill/>
+            <a:miter lim="800000"/>
+            <a:headEnd/>
+            <a:tailEnd/>
+          </a:ln>
+        </p:spPr>
+      </p:pic>
     </p:spTree>
   </p:cSld>
   <p:clrMapOvr>
@@ -11796,31 +12012,44 @@
           <a:p>
             <a:r>
               <a:rPr lang="fr-FR" dirty="0" smtClean="0"/>
-              <a:t>Diagramme de Déploiement Projet</a:t>
+              <a:t>Diagramme de composant R1</a:t>
             </a:r>
             <a:endParaRPr lang="fr-FR" dirty="0"/>
           </a:p>
         </p:txBody>
       </p:sp>
-      <p:sp>
-        <p:nvSpPr>
-          <p:cNvPr id="3" name="Espace réservé du contenu 2"/>
-          <p:cNvSpPr>
-            <a:spLocks noGrp="1"/>
-          </p:cNvSpPr>
-          <p:nvPr>
-            <p:ph sz="quarter" idx="1"/>
-          </p:nvPr>
-        </p:nvSpPr>
-        <p:spPr/>
-        <p:txBody>
-          <a:bodyPr/>
-          <a:lstStyle/>
-          <a:p>
-            <a:endParaRPr lang="fr-FR"/>
-          </a:p>
-        </p:txBody>
-      </p:sp>
+      <p:pic>
+        <p:nvPicPr>
+          <p:cNvPr id="4098" name="Picture 2"/>
+          <p:cNvPicPr>
+            <a:picLocks noChangeAspect="1" noChangeArrowheads="1"/>
+          </p:cNvPicPr>
+          <p:nvPr/>
+        </p:nvPicPr>
+        <p:blipFill>
+          <a:blip r:embed="rId2" cstate="print"/>
+          <a:srcRect/>
+          <a:stretch>
+            <a:fillRect/>
+          </a:stretch>
+        </p:blipFill>
+        <p:spPr bwMode="auto">
+          <a:xfrm>
+            <a:off x="251520" y="1700808"/>
+            <a:ext cx="8697381" cy="4320480"/>
+          </a:xfrm>
+          <a:prstGeom prst="rect">
+            <a:avLst/>
+          </a:prstGeom>
+          <a:noFill/>
+          <a:ln w="9525">
+            <a:noFill/>
+            <a:miter lim="800000"/>
+            <a:headEnd/>
+            <a:tailEnd/>
+          </a:ln>
+        </p:spPr>
+      </p:pic>
     </p:spTree>
   </p:cSld>
   <p:clrMapOvr>

--- a/trunk/Appli/Méthodologie/Général/Copil/Copil 2/VAL.pptx
+++ b/trunk/Appli/Méthodologie/Général/Copil/Copil 2/VAL.pptx
@@ -5,7 +5,7 @@
     <p:sldMasterId id="2147483672" r:id="rId1"/>
   </p:sldMasterIdLst>
   <p:notesMasterIdLst>
-    <p:notesMasterId r:id="rId16"/>
+    <p:notesMasterId r:id="rId17"/>
   </p:notesMasterIdLst>
   <p:sldIdLst>
     <p:sldId id="256" r:id="rId2"/>
@@ -19,9 +19,10 @@
     <p:sldId id="263" r:id="rId10"/>
     <p:sldId id="264" r:id="rId11"/>
     <p:sldId id="265" r:id="rId12"/>
-    <p:sldId id="266" r:id="rId13"/>
-    <p:sldId id="267" r:id="rId14"/>
-    <p:sldId id="268" r:id="rId15"/>
+    <p:sldId id="271" r:id="rId13"/>
+    <p:sldId id="272" r:id="rId14"/>
+    <p:sldId id="273" r:id="rId15"/>
+    <p:sldId id="268" r:id="rId16"/>
   </p:sldIdLst>
   <p:sldSz cx="9144000" cy="6858000" type="screen4x3"/>
   <p:notesSz cx="6858000" cy="9144000"/>
@@ -368,13 +369,18 @@
             <a:fld id="{6735DD6F-EC3B-42DD-AAB9-F901FF6C6EA8}" type="slidenum">
               <a:rPr lang="fr-FR" smtClean="0"/>
               <a:pPr/>
-              <a:t>‹N°›</a:t>
+              <a:t>‹#›</a:t>
             </a:fld>
             <a:endParaRPr lang="fr-FR"/>
           </a:p>
         </p:txBody>
       </p:sp>
     </p:spTree>
+    <p:extLst>
+      <p:ext uri="{BB962C8B-B14F-4D97-AF65-F5344CB8AC3E}">
+        <p14:creationId xmlns:p14="http://schemas.microsoft.com/office/powerpoint/2010/main" val="2720288905"/>
+      </p:ext>
+    </p:extLst>
   </p:cSld>
   <p:clrMap bg1="lt1" tx1="dk1" bg2="lt2" tx2="dk2" accent1="accent1" accent2="accent2" accent3="accent3" accent4="accent4" accent5="accent5" accent6="accent6" hlink="hlink" folHlink="folHlink"/>
   <p:notesStyle>
@@ -1147,7 +1153,7 @@
             <a:fld id="{CF4668DC-857F-487D-BFFA-8C0CA5037977}" type="slidenum">
               <a:rPr lang="fr-BE" smtClean="0"/>
               <a:pPr/>
-              <a:t>‹N°›</a:t>
+              <a:t>‹#›</a:t>
             </a:fld>
             <a:endParaRPr lang="fr-BE"/>
           </a:p>
@@ -1355,7 +1361,7 @@
             <a:fld id="{CF4668DC-857F-487D-BFFA-8C0CA5037977}" type="slidenum">
               <a:rPr lang="fr-BE" smtClean="0"/>
               <a:pPr/>
-              <a:t>‹N°›</a:t>
+              <a:t>‹#›</a:t>
             </a:fld>
             <a:endParaRPr lang="fr-BE"/>
           </a:p>
@@ -1766,7 +1772,7 @@
             <a:fld id="{CF4668DC-857F-487D-BFFA-8C0CA5037977}" type="slidenum">
               <a:rPr lang="fr-BE" smtClean="0"/>
               <a:pPr/>
-              <a:t>‹N°›</a:t>
+              <a:t>‹#›</a:t>
             </a:fld>
             <a:endParaRPr lang="fr-BE"/>
           </a:p>
@@ -2029,7 +2035,7 @@
             <a:fld id="{CF4668DC-857F-487D-BFFA-8C0CA5037977}" type="slidenum">
               <a:rPr lang="fr-BE" smtClean="0"/>
               <a:pPr/>
-              <a:t>‹N°›</a:t>
+              <a:t>‹#›</a:t>
             </a:fld>
             <a:endParaRPr lang="fr-BE"/>
           </a:p>
@@ -2699,7 +2705,7 @@
             <a:fld id="{CF4668DC-857F-487D-BFFA-8C0CA5037977}" type="slidenum">
               <a:rPr lang="fr-BE" smtClean="0"/>
               <a:pPr/>
-              <a:t>‹N°›</a:t>
+              <a:t>‹#›</a:t>
             </a:fld>
             <a:endParaRPr lang="fr-BE"/>
           </a:p>
@@ -2866,7 +2872,7 @@
             <a:fld id="{CF4668DC-857F-487D-BFFA-8C0CA5037977}" type="slidenum">
               <a:rPr lang="fr-BE" smtClean="0"/>
               <a:pPr/>
-              <a:t>‹N°›</a:t>
+              <a:t>‹#›</a:t>
             </a:fld>
             <a:endParaRPr lang="fr-BE"/>
           </a:p>
@@ -3827,7 +3833,7 @@
             <a:fld id="{CF4668DC-857F-487D-BFFA-8C0CA5037977}" type="slidenum">
               <a:rPr lang="fr-BE" smtClean="0"/>
               <a:pPr/>
-              <a:t>‹N°›</a:t>
+              <a:t>‹#›</a:t>
             </a:fld>
             <a:endParaRPr lang="fr-BE"/>
           </a:p>
@@ -3970,7 +3976,7 @@
             <a:fld id="{CF4668DC-857F-487D-BFFA-8C0CA5037977}" type="slidenum">
               <a:rPr lang="fr-BE" smtClean="0"/>
               <a:pPr/>
-              <a:t>‹N°›</a:t>
+              <a:t>‹#›</a:t>
             </a:fld>
             <a:endParaRPr lang="fr-BE"/>
           </a:p>
@@ -4293,7 +4299,7 @@
             <a:fld id="{CF4668DC-857F-487D-BFFA-8C0CA5037977}" type="slidenum">
               <a:rPr lang="fr-BE" smtClean="0"/>
               <a:pPr/>
-              <a:t>‹N°›</a:t>
+              <a:t>‹#›</a:t>
             </a:fld>
             <a:endParaRPr lang="fr-BE"/>
           </a:p>
@@ -4912,7 +4918,7 @@
             <a:fld id="{CF4668DC-857F-487D-BFFA-8C0CA5037977}" type="slidenum">
               <a:rPr lang="fr-BE" smtClean="0"/>
               <a:pPr/>
-              <a:t>‹N°›</a:t>
+              <a:t>‹#›</a:t>
             </a:fld>
             <a:endParaRPr lang="fr-BE"/>
           </a:p>
@@ -5448,7 +5454,7 @@
             <a:fld id="{CF4668DC-857F-487D-BFFA-8C0CA5037977}" type="slidenum">
               <a:rPr lang="fr-BE" smtClean="0"/>
               <a:pPr/>
-              <a:t>‹N°›</a:t>
+              <a:t>‹#›</a:t>
             </a:fld>
             <a:endParaRPr lang="fr-BE"/>
           </a:p>
@@ -6163,7 +6169,7 @@
             <a:fld id="{CF4668DC-857F-487D-BFFA-8C0CA5037977}" type="slidenum">
               <a:rPr lang="fr-BE" smtClean="0"/>
               <a:pPr/>
-              <a:t>‹N°›</a:t>
+              <a:t>‹#›</a:t>
             </a:fld>
             <a:endParaRPr lang="fr-BE"/>
           </a:p>
@@ -6635,7 +6641,7 @@
     </p:spTree>
     <p:extLst>
       <p:ext uri="{BB962C8B-B14F-4D97-AF65-F5344CB8AC3E}">
-        <p14:creationId xmlns="" xmlns:p14="http://schemas.microsoft.com/office/powerpoint/2010/main" val="3992780646"/>
+        <p14:creationId xmlns:p14="http://schemas.microsoft.com/office/powerpoint/2010/main" val="3992780646"/>
       </p:ext>
     </p:extLst>
   </p:cSld>
@@ -6845,7 +6851,77 @@
       </p:grpSpPr>
       <p:sp>
         <p:nvSpPr>
-          <p:cNvPr id="2" name="Titre 1"/>
+          <p:cNvPr id="3" name="Content Placeholder 2"/>
+          <p:cNvSpPr>
+            <a:spLocks noGrp="1"/>
+          </p:cNvSpPr>
+          <p:nvPr>
+            <p:ph sz="quarter" idx="1"/>
+          </p:nvPr>
+        </p:nvSpPr>
+        <p:spPr/>
+        <p:txBody>
+          <a:bodyPr>
+            <a:normAutofit/>
+          </a:bodyPr>
+          <a:lstStyle/>
+          <a:p>
+            <a:r>
+              <a:rPr lang="fr-FR" sz="2000" dirty="0">
+                <a:latin typeface="Calibri" pitchFamily="34" charset="0"/>
+              </a:rPr>
+              <a:t>Interpréter </a:t>
+            </a:r>
+            <a:r>
+              <a:rPr lang="fr-FR" sz="2000" dirty="0" smtClean="0">
+                <a:latin typeface="Calibri" pitchFamily="34" charset="0"/>
+              </a:rPr>
+              <a:t>un message reçu </a:t>
+            </a:r>
+            <a:r>
+              <a:rPr lang="fr-FR" sz="2000" dirty="0">
+                <a:latin typeface="Calibri" pitchFamily="34" charset="0"/>
+              </a:rPr>
+              <a:t>depuis </a:t>
+            </a:r>
+            <a:r>
+              <a:rPr lang="fr-FR" sz="2000" dirty="0" smtClean="0">
+                <a:latin typeface="Calibri" pitchFamily="34" charset="0"/>
+              </a:rPr>
+              <a:t>un composant embarqué </a:t>
+            </a:r>
+            <a:r>
+              <a:rPr lang="fr-FR" sz="2000" dirty="0">
+                <a:latin typeface="Calibri" pitchFamily="34" charset="0"/>
+              </a:rPr>
+              <a:t>(</a:t>
+            </a:r>
+            <a:r>
+              <a:rPr lang="fr-FR" sz="2000" dirty="0" err="1">
+                <a:latin typeface="Calibri" pitchFamily="34" charset="0"/>
+              </a:rPr>
+              <a:t>parser</a:t>
+            </a:r>
+            <a:r>
+              <a:rPr lang="fr-FR" sz="2000" dirty="0" smtClean="0">
+                <a:latin typeface="Calibri" pitchFamily="34" charset="0"/>
+              </a:rPr>
+              <a:t>)</a:t>
+            </a:r>
+          </a:p>
+          <a:p>
+            <a:pPr marL="0" indent="0">
+              <a:buNone/>
+            </a:pPr>
+            <a:endParaRPr lang="fr-FR" sz="2000" dirty="0">
+              <a:latin typeface="Calibri" pitchFamily="34" charset="0"/>
+            </a:endParaRPr>
+          </a:p>
+        </p:txBody>
+      </p:sp>
+      <p:sp>
+        <p:nvSpPr>
+          <p:cNvPr id="4" name="Titre 1"/>
           <p:cNvSpPr>
             <a:spLocks noGrp="1"/>
           </p:cNvSpPr>
@@ -6853,39 +6929,62 @@
             <p:ph type="title"/>
           </p:nvPr>
         </p:nvSpPr>
-        <p:spPr/>
-        <p:txBody>
-          <a:bodyPr/>
+        <p:spPr>
+          <a:xfrm>
+            <a:off x="301752" y="228600"/>
+            <a:ext cx="8534400" cy="896144"/>
+          </a:xfrm>
+        </p:spPr>
+        <p:txBody>
+          <a:bodyPr>
+            <a:normAutofit fontScale="90000"/>
+          </a:bodyPr>
           <a:lstStyle/>
           <a:p>
             <a:r>
               <a:rPr lang="fr-FR" dirty="0" smtClean="0"/>
-              <a:t>Intégration Continue</a:t>
+              <a:t>Diagrammes de séquences: Collecter </a:t>
+            </a:r>
+            <a:r>
+              <a:rPr lang="fr-FR" dirty="0"/>
+              <a:t>les informations </a:t>
+            </a:r>
+            <a:r>
+              <a:rPr lang="fr-FR" dirty="0" smtClean="0"/>
+              <a:t>terrain</a:t>
             </a:r>
             <a:endParaRPr lang="fr-FR" dirty="0"/>
           </a:p>
         </p:txBody>
       </p:sp>
-      <p:sp>
-        <p:nvSpPr>
-          <p:cNvPr id="3" name="Espace réservé du contenu 2"/>
-          <p:cNvSpPr>
-            <a:spLocks noGrp="1"/>
-          </p:cNvSpPr>
-          <p:nvPr>
-            <p:ph sz="quarter" idx="1"/>
-          </p:nvPr>
-        </p:nvSpPr>
-        <p:spPr/>
-        <p:txBody>
-          <a:bodyPr/>
-          <a:lstStyle/>
-          <a:p>
-            <a:endParaRPr lang="fr-FR"/>
-          </a:p>
-        </p:txBody>
-      </p:sp>
+      <p:pic>
+        <p:nvPicPr>
+          <p:cNvPr id="5" name="Picture 4"/>
+          <p:cNvPicPr/>
+          <p:nvPr/>
+        </p:nvPicPr>
+        <p:blipFill>
+          <a:blip r:embed="rId2"/>
+          <a:stretch>
+            <a:fillRect/>
+          </a:stretch>
+        </p:blipFill>
+        <p:spPr>
+          <a:xfrm>
+            <a:off x="481632" y="1988840"/>
+            <a:ext cx="8122816" cy="4680520"/>
+          </a:xfrm>
+          <a:prstGeom prst="rect">
+            <a:avLst/>
+          </a:prstGeom>
+        </p:spPr>
+      </p:pic>
     </p:spTree>
+    <p:extLst>
+      <p:ext uri="{BB962C8B-B14F-4D97-AF65-F5344CB8AC3E}">
+        <p14:creationId xmlns:p14="http://schemas.microsoft.com/office/powerpoint/2010/main" val="1415518833"/>
+      </p:ext>
+    </p:extLst>
   </p:cSld>
   <p:clrMapOvr>
     <a:masterClrMapping/>
@@ -6919,7 +7018,46 @@
       </p:grpSpPr>
       <p:sp>
         <p:nvSpPr>
-          <p:cNvPr id="2" name="Titre 1"/>
+          <p:cNvPr id="3" name="Content Placeholder 2"/>
+          <p:cNvSpPr>
+            <a:spLocks noGrp="1"/>
+          </p:cNvSpPr>
+          <p:nvPr>
+            <p:ph sz="quarter" idx="1"/>
+          </p:nvPr>
+        </p:nvSpPr>
+        <p:spPr>
+          <a:xfrm>
+            <a:off x="301752" y="1412776"/>
+            <a:ext cx="8503920" cy="4686272"/>
+          </a:xfrm>
+        </p:spPr>
+        <p:txBody>
+          <a:bodyPr>
+            <a:normAutofit/>
+          </a:bodyPr>
+          <a:lstStyle/>
+          <a:p>
+            <a:r>
+              <a:rPr lang="fr-FR" sz="2000" dirty="0" smtClean="0">
+                <a:latin typeface="Calibri" pitchFamily="34" charset="0"/>
+              </a:rPr>
+              <a:t>Affecter les messages critiques à un buffer</a:t>
+            </a:r>
+          </a:p>
+          <a:p>
+            <a:pPr marL="0" indent="0">
+              <a:buNone/>
+            </a:pPr>
+            <a:endParaRPr lang="fr-FR" sz="2000" dirty="0">
+              <a:latin typeface="Calibri" pitchFamily="34" charset="0"/>
+            </a:endParaRPr>
+          </a:p>
+        </p:txBody>
+      </p:sp>
+      <p:sp>
+        <p:nvSpPr>
+          <p:cNvPr id="4" name="Titre 1"/>
           <p:cNvSpPr>
             <a:spLocks noGrp="1"/>
           </p:cNvSpPr>
@@ -6927,39 +7065,65 @@
             <p:ph type="title"/>
           </p:nvPr>
         </p:nvSpPr>
-        <p:spPr/>
-        <p:txBody>
-          <a:bodyPr/>
+        <p:spPr>
+          <a:xfrm>
+            <a:off x="301752" y="228600"/>
+            <a:ext cx="8534400" cy="680120"/>
+          </a:xfrm>
+        </p:spPr>
+        <p:txBody>
+          <a:bodyPr>
+            <a:normAutofit fontScale="90000"/>
+          </a:bodyPr>
           <a:lstStyle/>
           <a:p>
             <a:r>
               <a:rPr lang="fr-FR" dirty="0" smtClean="0"/>
-              <a:t>Sonar</a:t>
+              <a:t>Diagrammes de séquences: Prioriser message</a:t>
             </a:r>
             <a:endParaRPr lang="fr-FR" dirty="0"/>
           </a:p>
         </p:txBody>
       </p:sp>
-      <p:sp>
-        <p:nvSpPr>
-          <p:cNvPr id="3" name="Espace réservé du contenu 2"/>
-          <p:cNvSpPr>
-            <a:spLocks noGrp="1"/>
-          </p:cNvSpPr>
-          <p:nvPr>
-            <p:ph sz="quarter" idx="1"/>
-          </p:nvPr>
-        </p:nvSpPr>
-        <p:spPr/>
-        <p:txBody>
-          <a:bodyPr/>
-          <a:lstStyle/>
-          <a:p>
-            <a:endParaRPr lang="fr-FR"/>
-          </a:p>
-        </p:txBody>
-      </p:sp>
+      <p:pic>
+        <p:nvPicPr>
+          <p:cNvPr id="6" name="Picture 5"/>
+          <p:cNvPicPr/>
+          <p:nvPr/>
+        </p:nvPicPr>
+        <p:blipFill>
+          <a:blip r:embed="rId2">
+            <a:extLst>
+              <a:ext uri="{28A0092B-C50C-407E-A947-70E740481C1C}">
+                <a14:useLocalDpi xmlns:a14="http://schemas.microsoft.com/office/drawing/2010/main" val="0"/>
+              </a:ext>
+            </a:extLst>
+          </a:blip>
+          <a:srcRect/>
+          <a:stretch>
+            <a:fillRect/>
+          </a:stretch>
+        </p:blipFill>
+        <p:spPr bwMode="auto">
+          <a:xfrm>
+            <a:off x="611560" y="1772816"/>
+            <a:ext cx="7704856" cy="4876800"/>
+          </a:xfrm>
+          <a:prstGeom prst="rect">
+            <a:avLst/>
+          </a:prstGeom>
+          <a:noFill/>
+          <a:ln>
+            <a:noFill/>
+          </a:ln>
+        </p:spPr>
+      </p:pic>
     </p:spTree>
+    <p:extLst>
+      <p:ext uri="{BB962C8B-B14F-4D97-AF65-F5344CB8AC3E}">
+        <p14:creationId xmlns:p14="http://schemas.microsoft.com/office/powerpoint/2010/main" val="4165920071"/>
+      </p:ext>
+    </p:extLst>
   </p:cSld>
   <p:clrMapOvr>
     <a:masterClrMapping/>
@@ -6975,6 +7139,168 @@
 </file>
 
 <file path=ppt/slides/slide14.xml><?xml version="1.0" encoding="utf-8"?>
+<p:sld xmlns:a="http://schemas.openxmlformats.org/drawingml/2006/main" xmlns:r="http://schemas.openxmlformats.org/officeDocument/2006/relationships" xmlns:p="http://schemas.openxmlformats.org/presentationml/2006/main">
+  <p:cSld>
+    <p:spTree>
+      <p:nvGrpSpPr>
+        <p:cNvPr id="1" name=""/>
+        <p:cNvGrpSpPr/>
+        <p:nvPr/>
+      </p:nvGrpSpPr>
+      <p:grpSpPr>
+        <a:xfrm>
+          <a:off x="0" y="0"/>
+          <a:ext cx="0" cy="0"/>
+          <a:chOff x="0" y="0"/>
+          <a:chExt cx="0" cy="0"/>
+        </a:xfrm>
+      </p:grpSpPr>
+      <p:sp>
+        <p:nvSpPr>
+          <p:cNvPr id="3" name="Content Placeholder 2"/>
+          <p:cNvSpPr>
+            <a:spLocks noGrp="1"/>
+          </p:cNvSpPr>
+          <p:nvPr>
+            <p:ph sz="quarter" idx="1"/>
+          </p:nvPr>
+        </p:nvSpPr>
+        <p:spPr>
+          <a:xfrm>
+            <a:off x="301752" y="1412776"/>
+            <a:ext cx="8503920" cy="4686272"/>
+          </a:xfrm>
+        </p:spPr>
+        <p:txBody>
+          <a:bodyPr>
+            <a:normAutofit/>
+          </a:bodyPr>
+          <a:lstStyle/>
+          <a:p>
+            <a:r>
+              <a:rPr lang="fr-FR" sz="2000" dirty="0">
+                <a:latin typeface="Calibri" pitchFamily="34" charset="0"/>
+              </a:rPr>
+              <a:t>Affecter les messages critiques aux buffers par ordre</a:t>
+            </a:r>
+          </a:p>
+        </p:txBody>
+      </p:sp>
+      <p:sp>
+        <p:nvSpPr>
+          <p:cNvPr id="4" name="Titre 1"/>
+          <p:cNvSpPr>
+            <a:spLocks noGrp="1"/>
+          </p:cNvSpPr>
+          <p:nvPr>
+            <p:ph type="title"/>
+          </p:nvPr>
+        </p:nvSpPr>
+        <p:spPr>
+          <a:xfrm>
+            <a:off x="301752" y="228600"/>
+            <a:ext cx="8534400" cy="680120"/>
+          </a:xfrm>
+        </p:spPr>
+        <p:txBody>
+          <a:bodyPr>
+            <a:normAutofit fontScale="90000"/>
+          </a:bodyPr>
+          <a:lstStyle/>
+          <a:p>
+            <a:r>
+              <a:rPr lang="fr-FR" dirty="0" smtClean="0"/>
+              <a:t>Diagrammes de séquences: Prioriser message</a:t>
+            </a:r>
+            <a:endParaRPr lang="fr-FR" dirty="0"/>
+          </a:p>
+        </p:txBody>
+      </p:sp>
+      <p:pic>
+        <p:nvPicPr>
+          <p:cNvPr id="2" name="Picture 2"/>
+          <p:cNvPicPr>
+            <a:picLocks noChangeAspect="1" noChangeArrowheads="1"/>
+          </p:cNvPicPr>
+          <p:nvPr/>
+        </p:nvPicPr>
+        <p:blipFill>
+          <a:blip r:embed="rId2">
+            <a:extLst>
+              <a:ext uri="{28A0092B-C50C-407E-A947-70E740481C1C}">
+                <a14:useLocalDpi xmlns:a14="http://schemas.microsoft.com/office/drawing/2010/main" val="0"/>
+              </a:ext>
+            </a:extLst>
+          </a:blip>
+          <a:srcRect/>
+          <a:stretch>
+            <a:fillRect/>
+          </a:stretch>
+        </p:blipFill>
+        <p:spPr bwMode="auto">
+          <a:xfrm>
+            <a:off x="467544" y="1772816"/>
+            <a:ext cx="7992888" cy="4896544"/>
+          </a:xfrm>
+          <a:prstGeom prst="rect">
+            <a:avLst/>
+          </a:prstGeom>
+          <a:noFill/>
+          <a:ln>
+            <a:noFill/>
+          </a:ln>
+          <a:effectLst/>
+          <a:extLst>
+            <a:ext uri="{909E8E84-426E-40DD-AFC4-6F175D3DCCD1}">
+              <a14:hiddenFill xmlns:a14="http://schemas.microsoft.com/office/drawing/2010/main">
+                <a:solidFill>
+                  <a:schemeClr val="accent1"/>
+                </a:solidFill>
+              </a14:hiddenFill>
+            </a:ext>
+            <a:ext uri="{91240B29-F687-4F45-9708-019B960494DF}">
+              <a14:hiddenLine xmlns:a14="http://schemas.microsoft.com/office/drawing/2010/main" w="9525">
+                <a:solidFill>
+                  <a:schemeClr val="tx1"/>
+                </a:solidFill>
+                <a:miter lim="800000"/>
+                <a:headEnd/>
+                <a:tailEnd/>
+              </a14:hiddenLine>
+            </a:ext>
+            <a:ext uri="{AF507438-7753-43E0-B8FC-AC1667EBCBE1}">
+              <a14:hiddenEffects xmlns:a14="http://schemas.microsoft.com/office/drawing/2010/main">
+                <a:effectLst>
+                  <a:outerShdw dist="35921" dir="2700000" algn="ctr" rotWithShape="0">
+                    <a:schemeClr val="bg2"/>
+                  </a:outerShdw>
+                </a:effectLst>
+              </a14:hiddenEffects>
+            </a:ext>
+          </a:extLst>
+        </p:spPr>
+      </p:pic>
+    </p:spTree>
+    <p:extLst>
+      <p:ext uri="{BB962C8B-B14F-4D97-AF65-F5344CB8AC3E}">
+        <p14:creationId xmlns:p14="http://schemas.microsoft.com/office/powerpoint/2010/main" val="2972293978"/>
+      </p:ext>
+    </p:extLst>
+  </p:cSld>
+  <p:clrMapOvr>
+    <a:masterClrMapping/>
+  </p:clrMapOvr>
+  <p:timing>
+    <p:tnLst>
+      <p:par>
+        <p:cTn id="1" dur="indefinite" restart="never" nodeType="tmRoot"/>
+      </p:par>
+    </p:tnLst>
+  </p:timing>
+</p:sld>
+</file>
+
+<file path=ppt/slides/slide15.xml><?xml version="1.0" encoding="utf-8"?>
 <p:sld xmlns:a="http://schemas.openxmlformats.org/drawingml/2006/main" xmlns:r="http://schemas.openxmlformats.org/officeDocument/2006/relationships" xmlns:p="http://schemas.openxmlformats.org/presentationml/2006/main">
   <p:cSld>
     <p:spTree>

--- a/trunk/Appli/Méthodologie/Général/Copil/Copil 2/VAL.pptx
+++ b/trunk/Appli/Méthodologie/Général/Copil/Copil 2/VAL.pptx
@@ -6959,7 +6959,7 @@
       </p:sp>
       <p:pic>
         <p:nvPicPr>
-          <p:cNvPr id="5" name="Picture 4"/>
+          <p:cNvPr id="6" name="Picture 5"/>
           <p:cNvPicPr/>
           <p:nvPr/>
         </p:nvPicPr>
@@ -6971,8 +6971,8 @@
         </p:blipFill>
         <p:spPr>
           <a:xfrm>
-            <a:off x="481632" y="1988840"/>
-            <a:ext cx="8122816" cy="4680520"/>
+            <a:off x="395536" y="1916832"/>
+            <a:ext cx="8424936" cy="4608512"/>
           </a:xfrm>
           <a:prstGeom prst="rect">
             <a:avLst/>
